--- a/slides/RSSRail_2016/SPARK.pptx
+++ b/slides/RSSRail_2016/SPARK.pptx
@@ -311,7 +311,7 @@
             <a:fld id="{28C7CF07-8AE4-48B4-9716-7DADFEA16C26}" type="datetime1">
               <a:rPr lang="en-US"/>
               <a:pPr/>
-              <a:t>6/27/16</a:t>
+              <a:t>6/29/16</a:t>
             </a:fld>
             <a:endParaRPr lang="en-US"/>
           </a:p>
@@ -11496,12 +11496,12 @@
               <a:t> invariants in </a:t>
             </a:r>
             <a:r>
-              <a:rPr lang="fr-FR" sz="2400" b="0" dirty="0" err="1" smtClean="0"/>
-              <a:t>Add</a:t>
-            </a:r>
-            <a:r>
               <a:rPr lang="fr-FR" sz="2400" b="0" dirty="0" smtClean="0"/>
-              <a:t> and Model</a:t>
+              <a:t>Alloc </a:t>
+            </a:r>
+            <a:r>
+              <a:rPr lang="fr-FR" sz="2400" b="0" dirty="0" smtClean="0"/>
+              <a:t>and Model</a:t>
             </a:r>
           </a:p>
           <a:p>
@@ -18367,14 +18367,14 @@
           </a:ln>
           <a:extLst>
             <a:ext uri="{909E8E84-426E-40dd-AFC4-6F175D3DCCD1}">
-              <a14:hiddenFill xmlns:a14="http://schemas.microsoft.com/office/drawing/2010/main" xmlns="">
+              <a14:hiddenFill xmlns="" xmlns:a14="http://schemas.microsoft.com/office/drawing/2010/main">
                 <a:solidFill>
                   <a:srgbClr val="FFFFFF"/>
                 </a:solidFill>
               </a14:hiddenFill>
             </a:ext>
             <a:ext uri="{91240B29-F687-4f45-9708-019B960494DF}">
-              <a14:hiddenLine xmlns:a14="http://schemas.microsoft.com/office/drawing/2010/main" xmlns="" w="9525">
+              <a14:hiddenLine xmlns="" xmlns:a14="http://schemas.microsoft.com/office/drawing/2010/main" w="9525">
                 <a:solidFill>
                   <a:srgbClr val="000000"/>
                 </a:solidFill>
@@ -18720,15 +18720,7 @@
           <a:p>
             <a:r>
               <a:rPr lang="en-US" dirty="0" smtClean="0"/>
-              <a:t>Contracts</a:t>
-            </a:r>
-            <a:r>
-              <a:rPr lang="en-US" dirty="0" smtClean="0"/>
-              <a:t> </a:t>
-            </a:r>
-            <a:r>
-              <a:rPr lang="en-US" dirty="0" smtClean="0"/>
-              <a:t>in SPARK 2014</a:t>
+              <a:t>Contracts in SPARK 2014</a:t>
             </a:r>
             <a:endParaRPr lang="fr-FR" dirty="0"/>
           </a:p>
